--- a/ITI-Angular.pptx
+++ b/ITI-Angular.pptx
@@ -25313,7 +25313,7 @@
             </a:pPr>
             <a:r>
               <a:rPr lang="en-US" dirty="0"/>
-              <a:t>Pass data between components</a:t>
+              <a:t>sharing data between components</a:t>
             </a:r>
           </a:p>
           <a:p>
@@ -25324,8 +25324,13 @@
             </a:pPr>
             <a:r>
               <a:rPr lang="en-US" dirty="0"/>
-              <a:t>How to use ng-bootstrap?</a:t>
+              <a:t>How to use ng-bootstrap &amp; </a:t>
             </a:r>
+            <a:r>
+              <a:rPr lang="en-US"/>
+              <a:t>FontAwsome?</a:t>
+            </a:r>
+            <a:endParaRPr lang="en-US" dirty="0"/>
           </a:p>
           <a:p>
             <a:pPr lvl="0">

--- a/ITI-Angular.pptx
+++ b/ITI-Angular.pptx
@@ -25327,10 +25327,13 @@
               <a:t>How to use ng-bootstrap &amp; </a:t>
             </a:r>
             <a:r>
-              <a:rPr lang="en-US"/>
-              <a:t>FontAwsome?</a:t>
+              <a:rPr lang="en-US" dirty="0" err="1"/>
+              <a:t>FontAwsome</a:t>
             </a:r>
-            <a:endParaRPr lang="en-US" dirty="0"/>
+            <a:r>
+              <a:rPr lang="en-US" dirty="0"/>
+              <a:t>?</a:t>
+            </a:r>
           </a:p>
           <a:p>
             <a:pPr lvl="0">

--- a/ITI-Angular.pptx
+++ b/ITI-Angular.pptx
@@ -25457,6 +25457,28 @@
             </a:r>
           </a:p>
           <a:p>
+            <a:pPr>
+              <a:spcBef>
+                <a:spcPts val="500"/>
+              </a:spcBef>
+            </a:pPr>
+            <a:r>
+              <a:rPr lang="en-US" dirty="0"/>
+              <a:t>HTTP Services</a:t>
+            </a:r>
+          </a:p>
+          <a:p>
+            <a:pPr lvl="0">
+              <a:spcBef>
+                <a:spcPts val="500"/>
+              </a:spcBef>
+            </a:pPr>
+            <a:r>
+              <a:rPr lang="en-US" dirty="0"/>
+              <a:t>Mocks API ( GET,POST, Delete, Update )</a:t>
+            </a:r>
+          </a:p>
+          <a:p>
             <a:pPr lvl="0">
               <a:spcBef>
                 <a:spcPts val="500"/>
@@ -25475,9 +25497,20 @@
             </a:pPr>
             <a:r>
               <a:rPr lang="en-US" dirty="0"/>
-              <a:t>HTTP Services</a:t>
+              <a:t>Postman and JWT</a:t>
             </a:r>
-            <a:endParaRPr dirty="0"/>
+          </a:p>
+          <a:p>
+            <a:pPr lvl="0">
+              <a:spcBef>
+                <a:spcPts val="500"/>
+              </a:spcBef>
+            </a:pPr>
+            <a:r>
+              <a:rPr lang="en-US"/>
+              <a:t>~ Deployment </a:t>
+            </a:r>
+            <a:endParaRPr lang="en-US" dirty="0"/>
           </a:p>
         </p:txBody>
       </p:sp>
